--- a/non-code-files/team07poster.pptx
+++ b/non-code-files/team07poster.pptx
@@ -113,16 +113,6 @@
     </p:ext>
   </p:extLst>
 </p:presentation>
-</file>
-
-<file path=ppt/revisionInfo.xml><?xml version="1.0" encoding="utf-8"?>
-<p1510:revInfo xmlns:a="http://schemas.openxmlformats.org/drawingml/2006/main" xmlns:r="http://schemas.openxmlformats.org/officeDocument/2006/relationships" xmlns:p1510="http://schemas.microsoft.com/office/powerpoint/2015/10/main">
-  <p1510:revLst>
-    <p1510:client id="{86260DA7-C488-A70C-B5F6-0CE571608412}" v="39" dt="2018-11-19T00:19:42.873"/>
-    <p1510:client id="{570D78D4-C75B-3D2F-96B3-87E993B2E468}" v="2" dt="2018-11-19T00:14:28.727"/>
-    <p1510:client id="{448BE330-9156-AC4B-FEFD-C685E865953E}" v="1745" dt="2018-11-19T01:17:24.615"/>
-  </p1510:revLst>
-</p1510:revInfo>
 </file>
 
 <file path=ppt/notesMasters/notesMaster1.xml><?xml version="1.0" encoding="utf-8"?>
@@ -3657,8 +3647,8 @@
         </p:nvSpPr>
         <p:spPr>
           <a:xfrm>
-            <a:off x="-2237" y="-10195"/>
-            <a:ext cx="27425227" cy="2430384"/>
+            <a:off x="9010" y="-10196"/>
+            <a:ext cx="27432000" cy="2564691"/>
           </a:xfrm>
           <a:prstGeom prst="rect">
             <a:avLst/>
@@ -3716,7 +3706,6 @@
                 <a:solidFill>
                   <a:srgbClr val="E6E6E6"/>
                 </a:solidFill>
-                <a:latin typeface="Arial" panose="020B0604020202020204" pitchFamily="34" charset="0"/>
                 <a:cs typeface="Arial" panose="020B0604020202020204" pitchFamily="34" charset="0"/>
               </a:rPr>
               <a:t>Stephen Wagner (swagner34), Kayla Looney (klooney3), Jacob Pierson (jpierson7), Sam Bryan (sbryan35), David Jesse Moody (dmoody6)</a:t>
@@ -3725,7 +3714,6 @@
               <a:solidFill>
                 <a:srgbClr val="E6E6E6"/>
               </a:solidFill>
-              <a:latin typeface="Arial" panose="020B0604020202020204" pitchFamily="34" charset="0"/>
               <a:ea typeface="+mn-lt"/>
               <a:cs typeface="Arial" panose="020B0604020202020204" pitchFamily="34" charset="0"/>
             </a:endParaRPr>
@@ -3734,10 +3722,50 @@
       </p:sp>
       <p:sp>
         <p:nvSpPr>
-          <p:cNvPr id="13" name="Rectangle 12">
+          <p:cNvPr id="17" name="TextBox 16">
             <a:extLst>
               <a:ext uri="{FF2B5EF4-FFF2-40B4-BE49-F238E27FC236}">
-                <a16:creationId xmlns:a16="http://schemas.microsoft.com/office/drawing/2014/main" id="{91657536-EBC2-4DFA-BA97-24B162669FB3}"/>
+                <a16:creationId xmlns:a16="http://schemas.microsoft.com/office/drawing/2014/main" id="{51011A84-919A-4B70-B85A-65A35DBF46BC}"/>
+              </a:ext>
+            </a:extLst>
+          </p:cNvPr>
+          <p:cNvSpPr txBox="1"/>
+          <p:nvPr/>
+        </p:nvSpPr>
+        <p:spPr>
+          <a:xfrm>
+            <a:off x="6858000" y="18059400"/>
+            <a:ext cx="13716000" cy="369332"/>
+          </a:xfrm>
+          <a:prstGeom prst="rect">
+            <a:avLst/>
+          </a:prstGeom>
+        </p:spPr>
+        <p:txBody>
+          <a:bodyPr rot="0" spcFirstLastPara="0" vertOverflow="overflow" horzOverflow="overflow" vert="horz" wrap="square" lIns="91440" tIns="45720" rIns="91440" bIns="45720" numCol="1" spcCol="0" rtlCol="0" fromWordArt="0" anchor="t" anchorCtr="0" forceAA="0" compatLnSpc="1">
+            <a:prstTxWarp prst="textNoShape">
+              <a:avLst/>
+            </a:prstTxWarp>
+            <a:spAutoFit/>
+          </a:bodyPr>
+          <a:lstStyle/>
+          <a:p>
+            <a:endParaRPr lang="en-US">
+              <a:solidFill>
+                <a:srgbClr val="E6E6E6"/>
+              </a:solidFill>
+              <a:latin typeface="Arial" panose="020B0604020202020204" pitchFamily="34" charset="0"/>
+              <a:cs typeface="Arial" panose="020B0604020202020204" pitchFamily="34" charset="0"/>
+            </a:endParaRPr>
+          </a:p>
+        </p:txBody>
+      </p:sp>
+      <p:sp>
+        <p:nvSpPr>
+          <p:cNvPr id="34" name="Rectangle 33">
+            <a:extLst>
+              <a:ext uri="{FF2B5EF4-FFF2-40B4-BE49-F238E27FC236}">
+                <a16:creationId xmlns:a16="http://schemas.microsoft.com/office/drawing/2014/main" id="{542D9E27-3685-4F01-9A84-826EFA8B46D9}"/>
               </a:ext>
             </a:extLst>
           </p:cNvPr>
@@ -3746,17 +3774,17 @@
         </p:nvSpPr>
         <p:spPr>
           <a:xfrm>
-            <a:off x="-2237" y="2426895"/>
-            <a:ext cx="9016049" cy="4915191"/>
+            <a:off x="5486400" y="10448679"/>
+            <a:ext cx="16459200" cy="1645920"/>
           </a:xfrm>
           <a:prstGeom prst="rect">
             <a:avLst/>
           </a:prstGeom>
-          <a:solidFill>
-            <a:srgbClr val="353535"/>
-          </a:solidFill>
-          <a:ln>
-            <a:noFill/>
+          <a:noFill/>
+          <a:ln w="38100">
+            <a:solidFill>
+              <a:srgbClr val="007DC3"/>
+            </a:solidFill>
           </a:ln>
         </p:spPr>
         <p:style>
@@ -3776,23 +3804,16 @@
           </a:fontRef>
         </p:style>
         <p:txBody>
-          <a:bodyPr rtlCol="0" anchor="t"/>
+          <a:bodyPr rtlCol="0" anchor="ctr"/>
           <a:lstStyle/>
           <a:p>
             <a:pPr algn="ctr"/>
-            <a:r>
-              <a:rPr lang="en-US" sz="4800" dirty="0">
+            <a:endParaRPr lang="en-US">
+              <a:ln w="12700">
                 <a:solidFill>
-                  <a:srgbClr val="EDC948"/>
+                  <a:schemeClr val="tx1"/>
                 </a:solidFill>
-                <a:latin typeface="Arial" panose="020B0604020202020204" pitchFamily="34" charset="0"/>
-                <a:cs typeface="Arial" panose="020B0604020202020204" pitchFamily="34" charset="0"/>
-              </a:rPr>
-              <a:t>Summary</a:t>
-            </a:r>
-          </a:p>
-          <a:p>
-            <a:endParaRPr lang="en-US" sz="2000" dirty="0">
+              </a:ln>
               <a:solidFill>
                 <a:srgbClr val="E6E6E6"/>
               </a:solidFill>
@@ -3800,86 +3821,14 @@
               <a:cs typeface="Arial" panose="020B0604020202020204" pitchFamily="34" charset="0"/>
             </a:endParaRPr>
           </a:p>
-          <a:p>
-            <a:r>
-              <a:rPr lang="en-US" sz="2000" dirty="0">
-                <a:solidFill>
-                  <a:srgbClr val="E6E6E6"/>
-                </a:solidFill>
-                <a:latin typeface="Arial" panose="020B0604020202020204" pitchFamily="34" charset="0"/>
-                <a:cs typeface="Arial" panose="020B0604020202020204" pitchFamily="34" charset="0"/>
-              </a:rPr>
-              <a:t>Shouldweinvest.com solves the problem of identifying geographic markets where real estate investors should focus their investment activity. The process of identifying investment opportunities is streamlined - increasing the ability to identify high ROI investments and decrease time spent researching opportunities. Interactive configuration and results interfaces are used to present market recommendations based on custom investment personas. Recommendations are provided by aggregating and analyzing data predictive of investment property returns.</a:t>
-            </a:r>
-          </a:p>
-          <a:p>
-            <a:pPr algn="ctr"/>
-            <a:endParaRPr lang="en-US" sz="1600" dirty="0">
-              <a:solidFill>
-                <a:srgbClr val="E6E6E6"/>
-              </a:solidFill>
-              <a:latin typeface="Arial" panose="020B0604020202020204" pitchFamily="34" charset="0"/>
-              <a:cs typeface="Arial" panose="020B0604020202020204" pitchFamily="34" charset="0"/>
-            </a:endParaRPr>
-          </a:p>
-          <a:p>
-            <a:pPr algn="ctr"/>
-            <a:endParaRPr lang="en-US" sz="1600" dirty="0">
-              <a:solidFill>
-                <a:srgbClr val="E6E6E6"/>
-              </a:solidFill>
-              <a:latin typeface="Arial" panose="020B0604020202020204" pitchFamily="34" charset="0"/>
-              <a:cs typeface="Arial" panose="020B0604020202020204" pitchFamily="34" charset="0"/>
-            </a:endParaRPr>
-          </a:p>
-        </p:txBody>
-      </p:sp>
-      <p:sp>
-        <p:nvSpPr>
-          <p:cNvPr id="17" name="TextBox 16">
+        </p:txBody>
+      </p:sp>
+      <p:sp>
+        <p:nvSpPr>
+          <p:cNvPr id="35" name="Rectangle 34">
             <a:extLst>
               <a:ext uri="{FF2B5EF4-FFF2-40B4-BE49-F238E27FC236}">
-                <a16:creationId xmlns:a16="http://schemas.microsoft.com/office/drawing/2014/main" id="{51011A84-919A-4B70-B85A-65A35DBF46BC}"/>
-              </a:ext>
-            </a:extLst>
-          </p:cNvPr>
-          <p:cNvSpPr txBox="1"/>
-          <p:nvPr/>
-        </p:nvSpPr>
-        <p:spPr>
-          <a:xfrm>
-            <a:off x="6858000" y="18059400"/>
-            <a:ext cx="13716000" cy="369332"/>
-          </a:xfrm>
-          <a:prstGeom prst="rect">
-            <a:avLst/>
-          </a:prstGeom>
-        </p:spPr>
-        <p:txBody>
-          <a:bodyPr rot="0" spcFirstLastPara="0" vertOverflow="overflow" horzOverflow="overflow" vert="horz" wrap="square" lIns="91440" tIns="45720" rIns="91440" bIns="45720" numCol="1" spcCol="0" rtlCol="0" fromWordArt="0" anchor="t" anchorCtr="0" forceAA="0" compatLnSpc="1">
-            <a:prstTxWarp prst="textNoShape">
-              <a:avLst/>
-            </a:prstTxWarp>
-            <a:spAutoFit/>
-          </a:bodyPr>
-          <a:lstStyle/>
-          <a:p>
-            <a:endParaRPr lang="en-US">
-              <a:solidFill>
-                <a:srgbClr val="E6E6E6"/>
-              </a:solidFill>
-              <a:latin typeface="Arial" panose="020B0604020202020204" pitchFamily="34" charset="0"/>
-              <a:cs typeface="Arial" panose="020B0604020202020204" pitchFamily="34" charset="0"/>
-            </a:endParaRPr>
-          </a:p>
-        </p:txBody>
-      </p:sp>
-      <p:sp>
-        <p:nvSpPr>
-          <p:cNvPr id="34" name="Rectangle 33">
-            <a:extLst>
-              <a:ext uri="{FF2B5EF4-FFF2-40B4-BE49-F238E27FC236}">
-                <a16:creationId xmlns:a16="http://schemas.microsoft.com/office/drawing/2014/main" id="{542D9E27-3685-4F01-9A84-826EFA8B46D9}"/>
+                <a16:creationId xmlns:a16="http://schemas.microsoft.com/office/drawing/2014/main" id="{EB25E523-FDDF-40CA-B3C3-92371D1000E3}"/>
               </a:ext>
             </a:extLst>
           </p:cNvPr>
@@ -3888,8 +3837,8 @@
         </p:nvSpPr>
         <p:spPr>
           <a:xfrm>
-            <a:off x="5486400" y="10448679"/>
-            <a:ext cx="16459200" cy="1645920"/>
+            <a:off x="5486400" y="12939272"/>
+            <a:ext cx="16459200" cy="1869806"/>
           </a:xfrm>
           <a:prstGeom prst="rect">
             <a:avLst/>
@@ -3923,11 +3872,6 @@
           <a:p>
             <a:pPr algn="ctr"/>
             <a:endParaRPr lang="en-US">
-              <a:ln w="12700">
-                <a:solidFill>
-                  <a:schemeClr val="tx1"/>
-                </a:solidFill>
-              </a:ln>
               <a:solidFill>
                 <a:srgbClr val="E6E6E6"/>
               </a:solidFill>
@@ -3939,10 +3883,10 @@
       </p:sp>
       <p:sp>
         <p:nvSpPr>
-          <p:cNvPr id="33" name="Rectangle 32">
+          <p:cNvPr id="37" name="Rectangle 36">
             <a:extLst>
               <a:ext uri="{FF2B5EF4-FFF2-40B4-BE49-F238E27FC236}">
-                <a16:creationId xmlns:a16="http://schemas.microsoft.com/office/drawing/2014/main" id="{5844B050-FAAF-4231-B98A-47C82DA41DBA}"/>
+                <a16:creationId xmlns:a16="http://schemas.microsoft.com/office/drawing/2014/main" id="{9AE3C7F0-B693-456B-BFB3-32533CD91B3D}"/>
               </a:ext>
             </a:extLst>
           </p:cNvPr>
@@ -3951,16 +3895,14 @@
         </p:nvSpPr>
         <p:spPr>
           <a:xfrm>
-            <a:off x="5505030" y="10481564"/>
-            <a:ext cx="548640" cy="548640"/>
+            <a:off x="5715000" y="19496496"/>
+            <a:ext cx="16002000" cy="2744599"/>
           </a:xfrm>
           <a:prstGeom prst="rect">
             <a:avLst/>
           </a:prstGeom>
-          <a:solidFill>
-            <a:srgbClr val="007DC3"/>
-          </a:solidFill>
-          <a:ln>
+          <a:noFill/>
+          <a:ln w="38100">
             <a:solidFill>
               <a:srgbClr val="007DC3"/>
             </a:solidFill>
@@ -3987,25 +3929,22 @@
           <a:lstStyle/>
           <a:p>
             <a:pPr algn="ctr"/>
-            <a:r>
-              <a:rPr lang="en-US" sz="2800" b="1" dirty="0">
-                <a:solidFill>
-                  <a:srgbClr val="E6E6E6"/>
-                </a:solidFill>
-                <a:latin typeface="Arial" panose="020B0604020202020204" pitchFamily="34" charset="0"/>
-                <a:cs typeface="Arial" panose="020B0604020202020204" pitchFamily="34" charset="0"/>
-              </a:rPr>
-              <a:t>1</a:t>
-            </a:r>
-          </a:p>
-        </p:txBody>
-      </p:sp>
-      <p:sp>
-        <p:nvSpPr>
-          <p:cNvPr id="35" name="Rectangle 34">
+            <a:endParaRPr lang="en-US">
+              <a:solidFill>
+                <a:srgbClr val="E6E6E6"/>
+              </a:solidFill>
+              <a:latin typeface="Arial" panose="020B0604020202020204" pitchFamily="34" charset="0"/>
+              <a:cs typeface="Arial" panose="020B0604020202020204" pitchFamily="34" charset="0"/>
+            </a:endParaRPr>
+          </a:p>
+        </p:txBody>
+      </p:sp>
+      <p:sp>
+        <p:nvSpPr>
+          <p:cNvPr id="30" name="Rectangle 29">
             <a:extLst>
               <a:ext uri="{FF2B5EF4-FFF2-40B4-BE49-F238E27FC236}">
-                <a16:creationId xmlns:a16="http://schemas.microsoft.com/office/drawing/2014/main" id="{EB25E523-FDDF-40CA-B3C3-92371D1000E3}"/>
+                <a16:creationId xmlns:a16="http://schemas.microsoft.com/office/drawing/2014/main" id="{8AEC3891-5836-4DE4-9891-A333D242F495}"/>
               </a:ext>
             </a:extLst>
           </p:cNvPr>
@@ -4014,8 +3953,8 @@
         </p:nvSpPr>
         <p:spPr>
           <a:xfrm>
-            <a:off x="5486400" y="12939272"/>
-            <a:ext cx="16459200" cy="1869806"/>
+            <a:off x="5486400" y="16064935"/>
+            <a:ext cx="16459200" cy="14904720"/>
           </a:xfrm>
           <a:prstGeom prst="rect">
             <a:avLst/>
@@ -4060,10 +3999,53 @@
       </p:sp>
       <p:sp>
         <p:nvSpPr>
-          <p:cNvPr id="37" name="Rectangle 36">
+          <p:cNvPr id="23" name="TextBox 22">
             <a:extLst>
               <a:ext uri="{FF2B5EF4-FFF2-40B4-BE49-F238E27FC236}">
-                <a16:creationId xmlns:a16="http://schemas.microsoft.com/office/drawing/2014/main" id="{9AE3C7F0-B693-456B-BFB3-32533CD91B3D}"/>
+                <a16:creationId xmlns:a16="http://schemas.microsoft.com/office/drawing/2014/main" id="{E92837A2-F65D-4629-8D4C-81D7BCC851D8}"/>
+              </a:ext>
+            </a:extLst>
+          </p:cNvPr>
+          <p:cNvSpPr txBox="1"/>
+          <p:nvPr/>
+        </p:nvSpPr>
+        <p:spPr>
+          <a:xfrm>
+            <a:off x="-11416822" y="43844233"/>
+            <a:ext cx="3069087" cy="646331"/>
+          </a:xfrm>
+          <a:prstGeom prst="rect">
+            <a:avLst/>
+          </a:prstGeom>
+        </p:spPr>
+        <p:txBody>
+          <a:bodyPr rot="0" spcFirstLastPara="0" vertOverflow="overflow" horzOverflow="overflow" vert="horz" wrap="square" lIns="91440" tIns="45720" rIns="91440" bIns="45720" numCol="1" spcCol="0" rtlCol="0" fromWordArt="0" anchor="t" anchorCtr="0" forceAA="0" compatLnSpc="1">
+            <a:prstTxWarp prst="textNoShape">
+              <a:avLst/>
+            </a:prstTxWarp>
+            <a:spAutoFit/>
+          </a:bodyPr>
+          <a:lstStyle/>
+          <a:p>
+            <a:r>
+              <a:rPr lang="en-US">
+                <a:solidFill>
+                  <a:srgbClr val="E6E6E6"/>
+                </a:solidFill>
+                <a:latin typeface="Arial" panose="020B0604020202020204" pitchFamily="34" charset="0"/>
+                <a:cs typeface="Arial" panose="020B0604020202020204" pitchFamily="34" charset="0"/>
+              </a:rPr>
+              <a:t>Example of how it could look</a:t>
+            </a:r>
+          </a:p>
+        </p:txBody>
+      </p:sp>
+      <p:sp>
+        <p:nvSpPr>
+          <p:cNvPr id="31" name="Rectangle 30">
+            <a:extLst>
+              <a:ext uri="{FF2B5EF4-FFF2-40B4-BE49-F238E27FC236}">
+                <a16:creationId xmlns:a16="http://schemas.microsoft.com/office/drawing/2014/main" id="{850EFDCA-4452-4C8F-9DF6-0DD57FD2A36E}"/>
               </a:ext>
             </a:extLst>
           </p:cNvPr>
@@ -4072,17 +4054,17 @@
         </p:nvSpPr>
         <p:spPr>
           <a:xfrm>
-            <a:off x="5715000" y="19344458"/>
-            <a:ext cx="16002000" cy="3017520"/>
+            <a:off x="8963873" y="2425041"/>
+            <a:ext cx="9305211" cy="4915191"/>
           </a:xfrm>
           <a:prstGeom prst="rect">
             <a:avLst/>
           </a:prstGeom>
-          <a:noFill/>
-          <a:ln w="38100">
-            <a:solidFill>
-              <a:srgbClr val="007DC3"/>
-            </a:solidFill>
+          <a:solidFill>
+            <a:srgbClr val="353535"/>
+          </a:solidFill>
+          <a:ln>
+            <a:noFill/>
           </a:ln>
         </p:spPr>
         <p:style>
@@ -4102,370 +4084,6 @@
           </a:fontRef>
         </p:style>
         <p:txBody>
-          <a:bodyPr rtlCol="0" anchor="ctr"/>
-          <a:lstStyle/>
-          <a:p>
-            <a:pPr algn="ctr"/>
-            <a:endParaRPr lang="en-US">
-              <a:solidFill>
-                <a:srgbClr val="E6E6E6"/>
-              </a:solidFill>
-              <a:latin typeface="Arial" panose="020B0604020202020204" pitchFamily="34" charset="0"/>
-              <a:cs typeface="Arial" panose="020B0604020202020204" pitchFamily="34" charset="0"/>
-            </a:endParaRPr>
-          </a:p>
-        </p:txBody>
-      </p:sp>
-      <p:sp>
-        <p:nvSpPr>
-          <p:cNvPr id="30" name="Rectangle 29">
-            <a:extLst>
-              <a:ext uri="{FF2B5EF4-FFF2-40B4-BE49-F238E27FC236}">
-                <a16:creationId xmlns:a16="http://schemas.microsoft.com/office/drawing/2014/main" id="{8AEC3891-5836-4DE4-9891-A333D242F495}"/>
-              </a:ext>
-            </a:extLst>
-          </p:cNvPr>
-          <p:cNvSpPr/>
-          <p:nvPr/>
-        </p:nvSpPr>
-        <p:spPr>
-          <a:xfrm>
-            <a:off x="5486400" y="16064935"/>
-            <a:ext cx="16459200" cy="14904720"/>
-          </a:xfrm>
-          <a:prstGeom prst="rect">
-            <a:avLst/>
-          </a:prstGeom>
-          <a:noFill/>
-          <a:ln w="38100">
-            <a:solidFill>
-              <a:srgbClr val="007DC3"/>
-            </a:solidFill>
-          </a:ln>
-        </p:spPr>
-        <p:style>
-          <a:lnRef idx="2">
-            <a:schemeClr val="accent1">
-              <a:shade val="50000"/>
-            </a:schemeClr>
-          </a:lnRef>
-          <a:fillRef idx="1">
-            <a:schemeClr val="accent1"/>
-          </a:fillRef>
-          <a:effectRef idx="0">
-            <a:schemeClr val="accent1"/>
-          </a:effectRef>
-          <a:fontRef idx="minor">
-            <a:schemeClr val="lt1"/>
-          </a:fontRef>
-        </p:style>
-        <p:txBody>
-          <a:bodyPr rtlCol="0" anchor="ctr"/>
-          <a:lstStyle/>
-          <a:p>
-            <a:pPr algn="ctr"/>
-            <a:endParaRPr lang="en-US">
-              <a:solidFill>
-                <a:srgbClr val="E6E6E6"/>
-              </a:solidFill>
-              <a:latin typeface="Arial" panose="020B0604020202020204" pitchFamily="34" charset="0"/>
-              <a:cs typeface="Arial" panose="020B0604020202020204" pitchFamily="34" charset="0"/>
-            </a:endParaRPr>
-          </a:p>
-        </p:txBody>
-      </p:sp>
-      <p:sp>
-        <p:nvSpPr>
-          <p:cNvPr id="23" name="TextBox 22">
-            <a:extLst>
-              <a:ext uri="{FF2B5EF4-FFF2-40B4-BE49-F238E27FC236}">
-                <a16:creationId xmlns:a16="http://schemas.microsoft.com/office/drawing/2014/main" id="{E92837A2-F65D-4629-8D4C-81D7BCC851D8}"/>
-              </a:ext>
-            </a:extLst>
-          </p:cNvPr>
-          <p:cNvSpPr txBox="1"/>
-          <p:nvPr/>
-        </p:nvSpPr>
-        <p:spPr>
-          <a:xfrm>
-            <a:off x="-11416822" y="43844233"/>
-            <a:ext cx="3069087" cy="646331"/>
-          </a:xfrm>
-          <a:prstGeom prst="rect">
-            <a:avLst/>
-          </a:prstGeom>
-        </p:spPr>
-        <p:txBody>
-          <a:bodyPr rot="0" spcFirstLastPara="0" vertOverflow="overflow" horzOverflow="overflow" vert="horz" wrap="square" lIns="91440" tIns="45720" rIns="91440" bIns="45720" numCol="1" spcCol="0" rtlCol="0" fromWordArt="0" anchor="t" anchorCtr="0" forceAA="0" compatLnSpc="1">
-            <a:prstTxWarp prst="textNoShape">
-              <a:avLst/>
-            </a:prstTxWarp>
-            <a:spAutoFit/>
-          </a:bodyPr>
-          <a:lstStyle/>
-          <a:p>
-            <a:r>
-              <a:rPr lang="en-US">
-                <a:solidFill>
-                  <a:srgbClr val="E6E6E6"/>
-                </a:solidFill>
-                <a:latin typeface="Arial" panose="020B0604020202020204" pitchFamily="34" charset="0"/>
-                <a:cs typeface="Arial" panose="020B0604020202020204" pitchFamily="34" charset="0"/>
-              </a:rPr>
-              <a:t>Example of how it could look</a:t>
-            </a:r>
-          </a:p>
-        </p:txBody>
-      </p:sp>
-      <p:sp>
-        <p:nvSpPr>
-          <p:cNvPr id="29" name="Rectangle 28">
-            <a:extLst>
-              <a:ext uri="{FF2B5EF4-FFF2-40B4-BE49-F238E27FC236}">
-                <a16:creationId xmlns:a16="http://schemas.microsoft.com/office/drawing/2014/main" id="{12EC01A8-7A5B-47ED-9CC9-3870C11E8C65}"/>
-              </a:ext>
-            </a:extLst>
-          </p:cNvPr>
-          <p:cNvSpPr/>
-          <p:nvPr/>
-        </p:nvSpPr>
-        <p:spPr>
-          <a:xfrm>
-            <a:off x="18215719" y="2424369"/>
-            <a:ext cx="9216282" cy="4968589"/>
-          </a:xfrm>
-          <a:prstGeom prst="rect">
-            <a:avLst/>
-          </a:prstGeom>
-          <a:solidFill>
-            <a:srgbClr val="353535"/>
-          </a:solidFill>
-          <a:ln>
-            <a:noFill/>
-          </a:ln>
-        </p:spPr>
-        <p:style>
-          <a:lnRef idx="2">
-            <a:schemeClr val="accent1">
-              <a:shade val="50000"/>
-            </a:schemeClr>
-          </a:lnRef>
-          <a:fillRef idx="1">
-            <a:schemeClr val="accent1"/>
-          </a:fillRef>
-          <a:effectRef idx="0">
-            <a:schemeClr val="accent1"/>
-          </a:effectRef>
-          <a:fontRef idx="minor">
-            <a:schemeClr val="lt1"/>
-          </a:fontRef>
-        </p:style>
-        <p:txBody>
-          <a:bodyPr rtlCol="0" anchor="t"/>
-          <a:lstStyle/>
-          <a:p>
-            <a:pPr algn="ctr"/>
-            <a:r>
-              <a:rPr lang="en-US" sz="5400" dirty="0">
-                <a:solidFill>
-                  <a:srgbClr val="EDC948"/>
-                </a:solidFill>
-                <a:latin typeface="Lobster Two" panose="02000506000000020003" pitchFamily="50" charset="0"/>
-                <a:cs typeface="Arial" panose="020B0604020202020204" pitchFamily="34" charset="0"/>
-              </a:rPr>
-              <a:t>Algorithm</a:t>
-            </a:r>
-            <a:endParaRPr lang="en-US" sz="4800" dirty="0">
-              <a:solidFill>
-                <a:srgbClr val="EDC948"/>
-              </a:solidFill>
-              <a:latin typeface="Lobster Two" panose="02000506000000020003" pitchFamily="50" charset="0"/>
-              <a:cs typeface="Arial" panose="020B0604020202020204" pitchFamily="34" charset="0"/>
-            </a:endParaRPr>
-          </a:p>
-          <a:p>
-            <a:pPr algn="ctr"/>
-            <a:endParaRPr lang="en-US" sz="2000" dirty="0">
-              <a:solidFill>
-                <a:srgbClr val="E6E6E6"/>
-              </a:solidFill>
-              <a:latin typeface="Arial" panose="020B0604020202020204" pitchFamily="34" charset="0"/>
-              <a:cs typeface="Arial" panose="020B0604020202020204" pitchFamily="34" charset="0"/>
-            </a:endParaRPr>
-          </a:p>
-          <a:p>
-            <a:pPr fontAlgn="base"/>
-            <a:r>
-              <a:rPr lang="en-US" sz="2000" dirty="0">
-                <a:latin typeface="Arial" panose="020B0604020202020204" pitchFamily="34" charset="0"/>
-                <a:cs typeface="Arial" panose="020B0604020202020204" pitchFamily="34" charset="0"/>
-              </a:rPr>
-              <a:t>Two predefined investor personas, tailored to the goals and objectives specific to each, are provided for users. Each persona has a related algorithm that produces five ZIP </a:t>
-            </a:r>
-            <a:r>
-              <a:rPr lang="en-US" sz="2000" dirty="0" err="1">
-                <a:latin typeface="Arial" panose="020B0604020202020204" pitchFamily="34" charset="0"/>
-                <a:cs typeface="Arial" panose="020B0604020202020204" pitchFamily="34" charset="0"/>
-              </a:rPr>
-              <a:t>Codes</a:t>
-            </a:r>
-            <a:r>
-              <a:rPr lang="en-US" sz="2000" dirty="0" err="1">
-                <a:latin typeface="Symbol" panose="05050102010706020507" pitchFamily="18" charset="2"/>
-              </a:rPr>
-              <a:t>ä</a:t>
-            </a:r>
-            <a:r>
-              <a:rPr lang="en-US" sz="2000" dirty="0">
-                <a:latin typeface="Arial" panose="020B0604020202020204" pitchFamily="34" charset="0"/>
-                <a:cs typeface="Arial" panose="020B0604020202020204" pitchFamily="34" charset="0"/>
-              </a:rPr>
-              <a:t> recommended for investment. The algorithms have the following factors:</a:t>
-            </a:r>
-          </a:p>
-          <a:p>
-            <a:pPr fontAlgn="base"/>
-            <a:endParaRPr lang="en-US" sz="1200" dirty="0">
-              <a:latin typeface="Arial" panose="020B0604020202020204" pitchFamily="34" charset="0"/>
-              <a:cs typeface="Arial" panose="020B0604020202020204" pitchFamily="34" charset="0"/>
-            </a:endParaRPr>
-          </a:p>
-          <a:p>
-            <a:pPr fontAlgn="base"/>
-            <a:r>
-              <a:rPr lang="en-US" sz="2000" dirty="0">
-                <a:latin typeface="Arial" panose="020B0604020202020204" pitchFamily="34" charset="0"/>
-                <a:cs typeface="Arial" panose="020B0604020202020204" pitchFamily="34" charset="0"/>
-              </a:rPr>
-              <a:t>Ideals Common to Both Personas:</a:t>
-            </a:r>
-          </a:p>
-          <a:p>
-            <a:pPr marL="471488" indent="-234950" fontAlgn="base">
-              <a:buFont typeface="Arial" panose="020B0604020202020204" pitchFamily="34" charset="0"/>
-              <a:buChar char="•"/>
-            </a:pPr>
-            <a:r>
-              <a:rPr lang="en-US" sz="2000" dirty="0">
-                <a:latin typeface="Arial" panose="020B0604020202020204" pitchFamily="34" charset="0"/>
-                <a:cs typeface="Arial" panose="020B0604020202020204" pitchFamily="34" charset="0"/>
-              </a:rPr>
-              <a:t>Healthy market with declining home vacancy and good schools</a:t>
-            </a:r>
-          </a:p>
-          <a:p>
-            <a:pPr fontAlgn="base"/>
-            <a:endParaRPr lang="en-US" sz="1200" dirty="0">
-              <a:latin typeface="Arial" panose="020B0604020202020204" pitchFamily="34" charset="0"/>
-              <a:cs typeface="Arial" panose="020B0604020202020204" pitchFamily="34" charset="0"/>
-            </a:endParaRPr>
-          </a:p>
-          <a:p>
-            <a:pPr fontAlgn="base"/>
-            <a:r>
-              <a:rPr lang="en-US" sz="2000" dirty="0">
-                <a:latin typeface="Arial" panose="020B0604020202020204" pitchFamily="34" charset="0"/>
-                <a:cs typeface="Arial" panose="020B0604020202020204" pitchFamily="34" charset="0"/>
-              </a:rPr>
-              <a:t>Flipper Ideals:</a:t>
-            </a:r>
-          </a:p>
-          <a:p>
-            <a:pPr marL="471488" indent="-234950" fontAlgn="base">
-              <a:buFont typeface="Arial" panose="020B0604020202020204" pitchFamily="34" charset="0"/>
-              <a:buChar char="•"/>
-            </a:pPr>
-            <a:r>
-              <a:rPr lang="en-US" sz="2000" dirty="0">
-                <a:latin typeface="Arial" panose="020B0604020202020204" pitchFamily="34" charset="0"/>
-                <a:cs typeface="Arial" panose="020B0604020202020204" pitchFamily="34" charset="0"/>
-              </a:rPr>
-              <a:t>Properties that are older and sell quickly</a:t>
-            </a:r>
-          </a:p>
-          <a:p>
-            <a:pPr fontAlgn="base"/>
-            <a:endParaRPr lang="en-US" sz="1200" dirty="0">
-              <a:latin typeface="Arial" panose="020B0604020202020204" pitchFamily="34" charset="0"/>
-              <a:cs typeface="Arial" panose="020B0604020202020204" pitchFamily="34" charset="0"/>
-            </a:endParaRPr>
-          </a:p>
-          <a:p>
-            <a:pPr fontAlgn="base"/>
-            <a:r>
-              <a:rPr lang="en-US" sz="2000" dirty="0">
-                <a:latin typeface="Arial" panose="020B0604020202020204" pitchFamily="34" charset="0"/>
-                <a:cs typeface="Arial" panose="020B0604020202020204" pitchFamily="34" charset="0"/>
-              </a:rPr>
-              <a:t>Landlord Ideals:</a:t>
-            </a:r>
-          </a:p>
-          <a:p>
-            <a:pPr marL="471488" indent="-234950" fontAlgn="base">
-              <a:buFont typeface="Arial" panose="020B0604020202020204" pitchFamily="34" charset="0"/>
-              <a:buChar char="•"/>
-            </a:pPr>
-            <a:r>
-              <a:rPr lang="en-US" sz="2000" dirty="0">
-                <a:latin typeface="Arial" panose="020B0604020202020204" pitchFamily="34" charset="0"/>
-                <a:cs typeface="Arial" panose="020B0604020202020204" pitchFamily="34" charset="0"/>
-              </a:rPr>
-              <a:t>A buyer's market with a high income to rent ratio</a:t>
-            </a:r>
-            <a:endParaRPr lang="en-US" sz="1600" dirty="0">
-              <a:solidFill>
-                <a:srgbClr val="E6E6E6"/>
-              </a:solidFill>
-              <a:latin typeface="Arial" panose="020B0604020202020204" pitchFamily="34" charset="0"/>
-              <a:cs typeface="Arial" panose="020B0604020202020204" pitchFamily="34" charset="0"/>
-            </a:endParaRPr>
-          </a:p>
-        </p:txBody>
-      </p:sp>
-      <p:sp>
-        <p:nvSpPr>
-          <p:cNvPr id="31" name="Rectangle 30">
-            <a:extLst>
-              <a:ext uri="{FF2B5EF4-FFF2-40B4-BE49-F238E27FC236}">
-                <a16:creationId xmlns:a16="http://schemas.microsoft.com/office/drawing/2014/main" id="{850EFDCA-4452-4C8F-9DF6-0DD57FD2A36E}"/>
-              </a:ext>
-            </a:extLst>
-          </p:cNvPr>
-          <p:cNvSpPr/>
-          <p:nvPr/>
-        </p:nvSpPr>
-        <p:spPr>
-          <a:xfrm>
-            <a:off x="9020585" y="2425041"/>
-            <a:ext cx="9195133" cy="4915191"/>
-          </a:xfrm>
-          <a:prstGeom prst="rect">
-            <a:avLst/>
-          </a:prstGeom>
-          <a:solidFill>
-            <a:srgbClr val="353535"/>
-          </a:solidFill>
-          <a:ln>
-            <a:noFill/>
-          </a:ln>
-        </p:spPr>
-        <p:style>
-          <a:lnRef idx="2">
-            <a:schemeClr val="accent1">
-              <a:shade val="50000"/>
-            </a:schemeClr>
-          </a:lnRef>
-          <a:fillRef idx="1">
-            <a:schemeClr val="accent1"/>
-          </a:fillRef>
-          <a:effectRef idx="0">
-            <a:schemeClr val="accent1"/>
-          </a:effectRef>
-          <a:fontRef idx="minor">
-            <a:schemeClr val="lt1"/>
-          </a:fontRef>
-        </p:style>
-        <p:txBody>
           <a:bodyPr rtlCol="0" anchor="t"/>
           <a:lstStyle/>
           <a:p>
@@ -4490,7 +4108,7 @@
           </a:p>
           <a:p>
             <a:pPr algn="ctr"/>
-            <a:endParaRPr lang="en-US" sz="2000" dirty="0">
+            <a:endParaRPr lang="en-US" sz="1000" dirty="0">
               <a:solidFill>
                 <a:srgbClr val="E6E6E6"/>
               </a:solidFill>
@@ -4548,7 +4166,7 @@
         </p:blipFill>
         <p:spPr>
           <a:xfrm>
-            <a:off x="12212759" y="5728910"/>
+            <a:off x="12212759" y="5500310"/>
             <a:ext cx="3011696" cy="1902124"/>
           </a:xfrm>
           <a:prstGeom prst="rect">
@@ -4584,7 +4202,7 @@
         </p:blipFill>
         <p:spPr>
           <a:xfrm>
-            <a:off x="12257195" y="3694187"/>
+            <a:off x="12257195" y="3465587"/>
             <a:ext cx="2879778" cy="825686"/>
           </a:xfrm>
           <a:prstGeom prst="rect">
@@ -4620,7 +4238,7 @@
         </p:blipFill>
         <p:spPr>
           <a:xfrm>
-            <a:off x="12260885" y="5077029"/>
+            <a:off x="12260885" y="4848429"/>
             <a:ext cx="2931118" cy="796722"/>
           </a:xfrm>
           <a:prstGeom prst="rect">
@@ -4642,8 +4260,8 @@
         </p:nvSpPr>
         <p:spPr>
           <a:xfrm>
-            <a:off x="11282135" y="4502211"/>
-            <a:ext cx="4845754" cy="769441"/>
+            <a:off x="11282135" y="4273611"/>
+            <a:ext cx="4845754" cy="830997"/>
           </a:xfrm>
           <a:prstGeom prst="rect">
             <a:avLst/>
@@ -4658,7 +4276,7 @@
           <a:p>
             <a:pPr algn="ctr"/>
             <a:r>
-              <a:rPr lang="en-US" sz="2000" dirty="0">
+              <a:rPr lang="en-US" sz="2400" dirty="0">
                 <a:solidFill>
                   <a:srgbClr val="E6E6E6"/>
                 </a:solidFill>
@@ -4689,8 +4307,8 @@
         </p:nvSpPr>
         <p:spPr>
           <a:xfrm>
-            <a:off x="11274207" y="5837184"/>
-            <a:ext cx="4845754" cy="769441"/>
+            <a:off x="11274207" y="5608584"/>
+            <a:ext cx="4845754" cy="830997"/>
           </a:xfrm>
           <a:prstGeom prst="rect">
             <a:avLst/>
@@ -4705,7 +4323,7 @@
           <a:p>
             <a:pPr algn="ctr"/>
             <a:r>
-              <a:rPr lang="en-US" sz="2000" dirty="0">
+              <a:rPr lang="en-US" sz="2400" dirty="0">
                 <a:solidFill>
                   <a:srgbClr val="E6E6E6"/>
                 </a:solidFill>
@@ -4736,8 +4354,8 @@
         </p:nvSpPr>
         <p:spPr>
           <a:xfrm>
-            <a:off x="11293123" y="6939697"/>
-            <a:ext cx="4845754" cy="769441"/>
+            <a:off x="11293123" y="6711097"/>
+            <a:ext cx="4845754" cy="830997"/>
           </a:xfrm>
           <a:prstGeom prst="rect">
             <a:avLst/>
@@ -4752,7 +4370,7 @@
           <a:p>
             <a:pPr algn="ctr"/>
             <a:r>
-              <a:rPr lang="en-US" sz="2000" dirty="0">
+              <a:rPr lang="en-US" sz="2400" dirty="0">
                 <a:solidFill>
                   <a:srgbClr val="E6E6E6"/>
                 </a:solidFill>
@@ -4808,8 +4426,8 @@
             </a:xfrm>
             <a:prstGeom prst="wedgeRectCallout">
               <a:avLst>
-                <a:gd name="adj1" fmla="val 74295"/>
-                <a:gd name="adj2" fmla="val -15853"/>
+                <a:gd name="adj1" fmla="val 78522"/>
+                <a:gd name="adj2" fmla="val -17288"/>
               </a:avLst>
             </a:prstGeom>
             <a:solidFill>
@@ -4942,8 +4560,8 @@
             </a:xfrm>
             <a:prstGeom prst="wedgeRectCallout">
               <a:avLst>
-                <a:gd name="adj1" fmla="val -73881"/>
-                <a:gd name="adj2" fmla="val -38179"/>
+                <a:gd name="adj1" fmla="val -77806"/>
+                <a:gd name="adj2" fmla="val -40827"/>
               </a:avLst>
             </a:prstGeom>
             <a:solidFill>
@@ -5089,8 +4707,8 @@
             </a:xfrm>
             <a:prstGeom prst="wedgeRectCallout">
               <a:avLst>
-                <a:gd name="adj1" fmla="val 76399"/>
-                <a:gd name="adj2" fmla="val -29317"/>
+                <a:gd name="adj1" fmla="val 79418"/>
+                <a:gd name="adj2" fmla="val -31023"/>
               </a:avLst>
             </a:prstGeom>
             <a:solidFill>
@@ -5212,8 +4830,8 @@
             </a:xfrm>
             <a:prstGeom prst="wedgeRectCallout">
               <a:avLst>
-                <a:gd name="adj1" fmla="val -80443"/>
-                <a:gd name="adj2" fmla="val -44782"/>
+                <a:gd name="adj1" fmla="val -83462"/>
+                <a:gd name="adj2" fmla="val -40177"/>
               </a:avLst>
             </a:prstGeom>
             <a:solidFill>
@@ -5353,10 +4971,10 @@
       </p:sp>
       <p:sp>
         <p:nvSpPr>
-          <p:cNvPr id="55" name="Rectangle 54">
+          <p:cNvPr id="57" name="Rectangle 56">
             <a:extLst>
               <a:ext uri="{FF2B5EF4-FFF2-40B4-BE49-F238E27FC236}">
-                <a16:creationId xmlns:a16="http://schemas.microsoft.com/office/drawing/2014/main" id="{7D89650F-0D3E-4106-A2F5-60D8EFCA9633}"/>
+                <a16:creationId xmlns:a16="http://schemas.microsoft.com/office/drawing/2014/main" id="{010EAE0F-F9B3-4E8D-8111-724F5F78FF95}"/>
               </a:ext>
             </a:extLst>
           </p:cNvPr>
@@ -5365,14 +4983,14 @@
         </p:nvSpPr>
         <p:spPr>
           <a:xfrm>
-            <a:off x="-2237" y="2424369"/>
-            <a:ext cx="9127321" cy="4915191"/>
+            <a:off x="1" y="31626079"/>
+            <a:ext cx="9144000" cy="4825268"/>
           </a:xfrm>
           <a:prstGeom prst="rect">
             <a:avLst/>
           </a:prstGeom>
           <a:solidFill>
-            <a:srgbClr val="353535"/>
+            <a:srgbClr val="080E27"/>
           </a:solidFill>
           <a:ln>
             <a:noFill/>
@@ -5400,25 +5018,18 @@
           <a:p>
             <a:pPr algn="ctr"/>
             <a:r>
-              <a:rPr lang="en-US" sz="5400" dirty="0">
+              <a:rPr lang="en-US" sz="6000" dirty="0">
                 <a:solidFill>
                   <a:srgbClr val="EDC948"/>
                 </a:solidFill>
                 <a:latin typeface="Lobster Two" panose="02000506000000020003" pitchFamily="50" charset="0"/>
                 <a:cs typeface="Arial" panose="020B0604020202020204" pitchFamily="34" charset="0"/>
               </a:rPr>
-              <a:t>Summary</a:t>
-            </a:r>
-            <a:endParaRPr lang="en-US" sz="4800" dirty="0">
-              <a:solidFill>
-                <a:srgbClr val="EDC948"/>
-              </a:solidFill>
-              <a:latin typeface="Lobster Two" panose="02000506000000020003" pitchFamily="50" charset="0"/>
-              <a:cs typeface="Arial" panose="020B0604020202020204" pitchFamily="34" charset="0"/>
-            </a:endParaRPr>
-          </a:p>
-          <a:p>
-            <a:endParaRPr lang="en-US" sz="2000" dirty="0">
+              <a:t>Experimentation</a:t>
+            </a:r>
+          </a:p>
+          <a:p>
+            <a:endParaRPr lang="en-US" sz="1000" dirty="0">
               <a:solidFill>
                 <a:srgbClr val="E6E6E6"/>
               </a:solidFill>
@@ -5432,10 +5043,28 @@
                 <a:solidFill>
                   <a:srgbClr val="E6E6E6"/>
                 </a:solidFill>
-                <a:latin typeface="Arial" panose="020B0604020202020204" pitchFamily="34" charset="0"/>
                 <a:cs typeface="Arial" panose="020B0604020202020204" pitchFamily="34" charset="0"/>
               </a:rPr>
-              <a:t>Shouldweinvest.com solves the problem of identifying geographic markets where real estate investors should focus their investment activity. The process of identifying investment opportunities is streamlined - increasing the ability to identify high ROI investments and decrease time spent researching opportunities. Interactive configuration and results interfaces are used to present market recommendations based on custom investment personas. Recommendations are provided by aggregating and analyzing data predictive of investment property returns.</a:t>
+              <a:t>Experimentation was done by testing a variety of different use cases in the app. By toggling between the different “personas” and manually adjusting the weight of available variables, we were able to observe that our algorithms took the variables into consideration and made appropriate recommendations. The recommendations were verified by the team members to assure their validity. </a:t>
+            </a:r>
+          </a:p>
+          <a:p>
+            <a:endParaRPr lang="en-US" sz="2400" dirty="0">
+              <a:solidFill>
+                <a:srgbClr val="E6E6E6"/>
+              </a:solidFill>
+              <a:cs typeface="Arial" panose="020B0604020202020204" pitchFamily="34" charset="0"/>
+            </a:endParaRPr>
+          </a:p>
+          <a:p>
+            <a:r>
+              <a:rPr lang="en-US" sz="2400" dirty="0">
+                <a:solidFill>
+                  <a:srgbClr val="E6E6E6"/>
+                </a:solidFill>
+                <a:cs typeface="Arial" panose="020B0604020202020204" pitchFamily="34" charset="0"/>
+              </a:rPr>
+              <a:t>Design was  experimented on iteratively by presenting each design to team members with a fresh perspective and gathering feedback on areas to improve.</a:t>
             </a:r>
           </a:p>
           <a:p>
@@ -5448,24 +5077,14 @@
               <a:cs typeface="Arial" panose="020B0604020202020204" pitchFamily="34" charset="0"/>
             </a:endParaRPr>
           </a:p>
-          <a:p>
-            <a:pPr algn="ctr"/>
-            <a:endParaRPr lang="en-US" sz="1600" dirty="0">
-              <a:solidFill>
-                <a:srgbClr val="E6E6E6"/>
-              </a:solidFill>
-              <a:latin typeface="Arial" panose="020B0604020202020204" pitchFamily="34" charset="0"/>
-              <a:cs typeface="Arial" panose="020B0604020202020204" pitchFamily="34" charset="0"/>
-            </a:endParaRPr>
-          </a:p>
-        </p:txBody>
-      </p:sp>
-      <p:sp>
-        <p:nvSpPr>
-          <p:cNvPr id="57" name="Rectangle 56">
+        </p:txBody>
+      </p:sp>
+      <p:sp>
+        <p:nvSpPr>
+          <p:cNvPr id="58" name="Rectangle 57">
             <a:extLst>
               <a:ext uri="{FF2B5EF4-FFF2-40B4-BE49-F238E27FC236}">
-                <a16:creationId xmlns:a16="http://schemas.microsoft.com/office/drawing/2014/main" id="{010EAE0F-F9B3-4E8D-8111-724F5F78FF95}"/>
+                <a16:creationId xmlns:a16="http://schemas.microsoft.com/office/drawing/2014/main" id="{8894DAE6-541E-4459-8082-816EFE37A72B}"/>
               </a:ext>
             </a:extLst>
           </p:cNvPr>
@@ -5474,8 +5093,8 @@
         </p:nvSpPr>
         <p:spPr>
           <a:xfrm>
-            <a:off x="1" y="31626079"/>
-            <a:ext cx="9144000" cy="5000794"/>
+            <a:off x="9125084" y="31632784"/>
+            <a:ext cx="9144000" cy="4818563"/>
           </a:xfrm>
           <a:prstGeom prst="rect">
             <a:avLst/>
@@ -5516,10 +5135,11 @@
                 <a:latin typeface="Lobster Two" panose="02000506000000020003" pitchFamily="50" charset="0"/>
                 <a:cs typeface="Arial" panose="020B0604020202020204" pitchFamily="34" charset="0"/>
               </a:rPr>
-              <a:t>Experimentation</a:t>
-            </a:r>
-          </a:p>
-          <a:p>
+              <a:t>Tech Stack</a:t>
+            </a:r>
+          </a:p>
+          <a:p>
+            <a:pPr algn="ctr"/>
             <a:endParaRPr lang="en-US" sz="2000" dirty="0">
               <a:solidFill>
                 <a:srgbClr val="E6E6E6"/>
@@ -5527,18 +5147,6 @@
               <a:latin typeface="Arial" panose="020B0604020202020204" pitchFamily="34" charset="0"/>
               <a:cs typeface="Arial" panose="020B0604020202020204" pitchFamily="34" charset="0"/>
             </a:endParaRPr>
-          </a:p>
-          <a:p>
-            <a:r>
-              <a:rPr lang="en-US" sz="2200" dirty="0">
-                <a:solidFill>
-                  <a:srgbClr val="E6E6E6"/>
-                </a:solidFill>
-                <a:latin typeface="Arial" panose="020B0604020202020204" pitchFamily="34" charset="0"/>
-                <a:cs typeface="Arial" panose="020B0604020202020204" pitchFamily="34" charset="0"/>
-              </a:rPr>
-              <a:t>Experimentation was done by testing a variety of different use cases in the app. By toggling between the different “personas” (Flipper and Landlord) and manually adjusting the weight of available variables, we were able to observe that our algorithms took the variables into consideration and made appropriate recommendations. The recommendations were manually verified by the team members to assure that they were valid investment opportunities. Design was also experimented iteratively by presenting each design to team members with a fresh perspective and gathering feedback on areas to improve. We believe the final result is clean, easy to use and effective.</a:t>
-            </a:r>
           </a:p>
           <a:p>
             <a:pPr algn="ctr"/>
@@ -5550,14 +5158,24 @@
               <a:cs typeface="Arial" panose="020B0604020202020204" pitchFamily="34" charset="0"/>
             </a:endParaRPr>
           </a:p>
-        </p:txBody>
-      </p:sp>
-      <p:sp>
-        <p:nvSpPr>
-          <p:cNvPr id="58" name="Rectangle 57">
+          <a:p>
+            <a:pPr algn="ctr"/>
+            <a:endParaRPr lang="en-US" sz="1600" dirty="0">
+              <a:solidFill>
+                <a:srgbClr val="E6E6E6"/>
+              </a:solidFill>
+              <a:latin typeface="Arial" panose="020B0604020202020204" pitchFamily="34" charset="0"/>
+              <a:cs typeface="Arial" panose="020B0604020202020204" pitchFamily="34" charset="0"/>
+            </a:endParaRPr>
+          </a:p>
+        </p:txBody>
+      </p:sp>
+      <p:sp>
+        <p:nvSpPr>
+          <p:cNvPr id="59" name="Rectangle 58">
             <a:extLst>
               <a:ext uri="{FF2B5EF4-FFF2-40B4-BE49-F238E27FC236}">
-                <a16:creationId xmlns:a16="http://schemas.microsoft.com/office/drawing/2014/main" id="{8894DAE6-541E-4459-8082-816EFE37A72B}"/>
+                <a16:creationId xmlns:a16="http://schemas.microsoft.com/office/drawing/2014/main" id="{D5048E57-2359-4811-8755-B0A2D343A097}"/>
               </a:ext>
             </a:extLst>
           </p:cNvPr>
@@ -5566,8 +5184,8 @@
         </p:nvSpPr>
         <p:spPr>
           <a:xfrm>
-            <a:off x="9125084" y="31632785"/>
-            <a:ext cx="9144000" cy="4994088"/>
+            <a:off x="18261156" y="31657051"/>
+            <a:ext cx="9144000" cy="4825268"/>
           </a:xfrm>
           <a:prstGeom prst="rect">
             <a:avLst/>
@@ -5608,12 +5226,12 @@
                 <a:latin typeface="Lobster Two" panose="02000506000000020003" pitchFamily="50" charset="0"/>
                 <a:cs typeface="Arial" panose="020B0604020202020204" pitchFamily="34" charset="0"/>
               </a:rPr>
-              <a:t>Tech Stack</a:t>
+              <a:t>Design</a:t>
             </a:r>
           </a:p>
           <a:p>
             <a:pPr algn="ctr"/>
-            <a:endParaRPr lang="en-US" sz="2000" dirty="0">
+            <a:endParaRPr lang="en-US" sz="1000" dirty="0">
               <a:solidFill>
                 <a:srgbClr val="E6E6E6"/>
               </a:solidFill>
@@ -5622,133 +5240,42 @@
             </a:endParaRPr>
           </a:p>
           <a:p>
-            <a:pPr algn="ctr"/>
-            <a:endParaRPr lang="en-US" sz="1600" dirty="0">
+            <a:r>
+              <a:rPr lang="en-US" sz="2400" dirty="0">
+                <a:solidFill>
+                  <a:srgbClr val="E6E6E6"/>
+                </a:solidFill>
+                <a:cs typeface="Arial" panose="020B0604020202020204" pitchFamily="34" charset="0"/>
+              </a:rPr>
+              <a:t>ZIP Codes are small areas of the United States. Shouldweinvest.com uses large 'haystack' circles to visualize the top five markets for each persona. Using Tableau, these 'haystacks' move to the best markets in close to real time. </a:t>
+            </a:r>
+          </a:p>
+          <a:p>
+            <a:endParaRPr lang="en-US" sz="2400" dirty="0">
               <a:solidFill>
                 <a:srgbClr val="E6E6E6"/>
               </a:solidFill>
-              <a:latin typeface="Arial" panose="020B0604020202020204" pitchFamily="34" charset="0"/>
               <a:cs typeface="Arial" panose="020B0604020202020204" pitchFamily="34" charset="0"/>
             </a:endParaRPr>
           </a:p>
           <a:p>
-            <a:pPr algn="ctr"/>
-            <a:endParaRPr lang="en-US" sz="1600" dirty="0">
+            <a:r>
+              <a:rPr lang="en-US" sz="2400" dirty="0">
+                <a:solidFill>
+                  <a:srgbClr val="E6E6E6"/>
+                </a:solidFill>
+                <a:cs typeface="Arial" panose="020B0604020202020204" pitchFamily="34" charset="0"/>
+              </a:rPr>
+              <a:t>The single page website is designed to allow users to quickly generate customized results. Parameters are pre-filled based on research backed best practices, but allow the user to customize these parameters to their individual situation. </a:t>
+            </a:r>
+          </a:p>
+          <a:p>
+            <a:endParaRPr lang="en-US" sz="2400" dirty="0">
               <a:solidFill>
                 <a:srgbClr val="E6E6E6"/>
               </a:solidFill>
-              <a:latin typeface="Arial" panose="020B0604020202020204" pitchFamily="34" charset="0"/>
               <a:cs typeface="Arial" panose="020B0604020202020204" pitchFamily="34" charset="0"/>
             </a:endParaRPr>
-          </a:p>
-        </p:txBody>
-      </p:sp>
-      <p:sp>
-        <p:nvSpPr>
-          <p:cNvPr id="59" name="Rectangle 58">
-            <a:extLst>
-              <a:ext uri="{FF2B5EF4-FFF2-40B4-BE49-F238E27FC236}">
-                <a16:creationId xmlns:a16="http://schemas.microsoft.com/office/drawing/2014/main" id="{D5048E57-2359-4811-8755-B0A2D343A097}"/>
-              </a:ext>
-            </a:extLst>
-          </p:cNvPr>
-          <p:cNvSpPr/>
-          <p:nvPr/>
-        </p:nvSpPr>
-        <p:spPr>
-          <a:xfrm>
-            <a:off x="18261156" y="31657051"/>
-            <a:ext cx="9144000" cy="4976528"/>
-          </a:xfrm>
-          <a:prstGeom prst="rect">
-            <a:avLst/>
-          </a:prstGeom>
-          <a:solidFill>
-            <a:srgbClr val="080E27"/>
-          </a:solidFill>
-          <a:ln>
-            <a:noFill/>
-          </a:ln>
-        </p:spPr>
-        <p:style>
-          <a:lnRef idx="2">
-            <a:schemeClr val="accent1">
-              <a:shade val="50000"/>
-            </a:schemeClr>
-          </a:lnRef>
-          <a:fillRef idx="1">
-            <a:schemeClr val="accent1"/>
-          </a:fillRef>
-          <a:effectRef idx="0">
-            <a:schemeClr val="accent1"/>
-          </a:effectRef>
-          <a:fontRef idx="minor">
-            <a:schemeClr val="lt1"/>
-          </a:fontRef>
-        </p:style>
-        <p:txBody>
-          <a:bodyPr rtlCol="0" anchor="t"/>
-          <a:lstStyle/>
-          <a:p>
-            <a:pPr algn="ctr"/>
-            <a:r>
-              <a:rPr lang="en-US" sz="6000" dirty="0">
-                <a:solidFill>
-                  <a:srgbClr val="EDC948"/>
-                </a:solidFill>
-                <a:latin typeface="Lobster Two" panose="02000506000000020003" pitchFamily="50" charset="0"/>
-                <a:cs typeface="Arial" panose="020B0604020202020204" pitchFamily="34" charset="0"/>
-              </a:rPr>
-              <a:t>Design</a:t>
-            </a:r>
-          </a:p>
-          <a:p>
-            <a:pPr algn="ctr"/>
-            <a:endParaRPr lang="en-US" sz="2000" dirty="0">
-              <a:solidFill>
-                <a:srgbClr val="E6E6E6"/>
-              </a:solidFill>
-              <a:latin typeface="Arial" panose="020B0604020202020204" pitchFamily="34" charset="0"/>
-              <a:cs typeface="Arial" panose="020B0604020202020204" pitchFamily="34" charset="0"/>
-            </a:endParaRPr>
-          </a:p>
-          <a:p>
-            <a:r>
-              <a:rPr lang="en-US" sz="3200" dirty="0">
-                <a:solidFill>
-                  <a:srgbClr val="E6E6E6"/>
-                </a:solidFill>
-                <a:latin typeface="Arial" panose="020B0604020202020204" pitchFamily="34" charset="0"/>
-                <a:cs typeface="Arial" panose="020B0604020202020204" pitchFamily="34" charset="0"/>
-              </a:rPr>
-              <a:t>ZIP </a:t>
-            </a:r>
-            <a:r>
-              <a:rPr lang="en-US" sz="3200" dirty="0" err="1">
-                <a:solidFill>
-                  <a:srgbClr val="E6E6E6"/>
-                </a:solidFill>
-                <a:latin typeface="Arial" panose="020B0604020202020204" pitchFamily="34" charset="0"/>
-                <a:cs typeface="Arial" panose="020B0604020202020204" pitchFamily="34" charset="0"/>
-              </a:rPr>
-              <a:t>Codes</a:t>
-            </a:r>
-            <a:r>
-              <a:rPr lang="en-US" sz="3200" dirty="0" err="1">
-                <a:latin typeface="Symbol" panose="05050102010706020507" pitchFamily="18" charset="2"/>
-              </a:rPr>
-              <a:t>ä</a:t>
-            </a:r>
-            <a:r>
-              <a:rPr lang="en-US" sz="3200" dirty="0">
-                <a:solidFill>
-                  <a:srgbClr val="E6E6E6"/>
-                </a:solidFill>
-                <a:latin typeface="Arial" panose="020B0604020202020204" pitchFamily="34" charset="0"/>
-                <a:cs typeface="Arial" panose="020B0604020202020204" pitchFamily="34" charset="0"/>
-              </a:rPr>
-              <a:t> are small areas of the United States. Shouldweinvest.com uses large 'haystack' circles to visualize the top five markets for each persona. Using Tableau, these 'haystacks' move to the best markets in close to real time.</a:t>
-            </a:r>
           </a:p>
           <a:p>
             <a:pPr algn="ctr"/>
@@ -6136,7 +5663,7 @@
         </p:nvSpPr>
         <p:spPr>
           <a:xfrm>
-            <a:off x="5522300" y="16064936"/>
+            <a:off x="5486400" y="16064935"/>
             <a:ext cx="548640" cy="548640"/>
           </a:xfrm>
           <a:prstGeom prst="rect">
@@ -6199,7 +5726,7 @@
         </p:nvSpPr>
         <p:spPr>
           <a:xfrm>
-            <a:off x="21361060" y="12970864"/>
+            <a:off x="21396960" y="12939272"/>
             <a:ext cx="548640" cy="548640"/>
           </a:xfrm>
           <a:prstGeom prst="rect">
@@ -6262,7 +5789,7 @@
         </p:nvSpPr>
         <p:spPr>
           <a:xfrm>
-            <a:off x="21172461" y="19344457"/>
+            <a:off x="21168360" y="19496496"/>
             <a:ext cx="548640" cy="548640"/>
           </a:xfrm>
           <a:prstGeom prst="rect">
@@ -6307,6 +5834,351 @@
                 <a:cs typeface="Arial" panose="020B0604020202020204" pitchFamily="34" charset="0"/>
               </a:rPr>
               <a:t>4</a:t>
+            </a:r>
+          </a:p>
+        </p:txBody>
+      </p:sp>
+      <p:sp>
+        <p:nvSpPr>
+          <p:cNvPr id="55" name="Rectangle 54">
+            <a:extLst>
+              <a:ext uri="{FF2B5EF4-FFF2-40B4-BE49-F238E27FC236}">
+                <a16:creationId xmlns:a16="http://schemas.microsoft.com/office/drawing/2014/main" id="{7D89650F-0D3E-4106-A2F5-60D8EFCA9633}"/>
+              </a:ext>
+            </a:extLst>
+          </p:cNvPr>
+          <p:cNvSpPr/>
+          <p:nvPr/>
+        </p:nvSpPr>
+        <p:spPr>
+          <a:xfrm>
+            <a:off x="9010" y="2424369"/>
+            <a:ext cx="9116074" cy="4913013"/>
+          </a:xfrm>
+          <a:prstGeom prst="rect">
+            <a:avLst/>
+          </a:prstGeom>
+          <a:solidFill>
+            <a:srgbClr val="353535"/>
+          </a:solidFill>
+          <a:ln>
+            <a:noFill/>
+          </a:ln>
+        </p:spPr>
+        <p:style>
+          <a:lnRef idx="2">
+            <a:schemeClr val="accent1">
+              <a:shade val="50000"/>
+            </a:schemeClr>
+          </a:lnRef>
+          <a:fillRef idx="1">
+            <a:schemeClr val="accent1"/>
+          </a:fillRef>
+          <a:effectRef idx="0">
+            <a:schemeClr val="accent1"/>
+          </a:effectRef>
+          <a:fontRef idx="minor">
+            <a:schemeClr val="lt1"/>
+          </a:fontRef>
+        </p:style>
+        <p:txBody>
+          <a:bodyPr rtlCol="0" anchor="t"/>
+          <a:lstStyle/>
+          <a:p>
+            <a:pPr algn="ctr"/>
+            <a:r>
+              <a:rPr lang="en-US" sz="5400" dirty="0">
+                <a:solidFill>
+                  <a:srgbClr val="EDC948"/>
+                </a:solidFill>
+                <a:latin typeface="Lobster Two" panose="02000506000000020003" pitchFamily="50" charset="0"/>
+                <a:cs typeface="Arial" panose="020B0604020202020204" pitchFamily="34" charset="0"/>
+              </a:rPr>
+              <a:t>Summary</a:t>
+            </a:r>
+            <a:endParaRPr lang="en-US" sz="4800" dirty="0">
+              <a:solidFill>
+                <a:srgbClr val="EDC948"/>
+              </a:solidFill>
+              <a:latin typeface="Lobster Two" panose="02000506000000020003" pitchFamily="50" charset="0"/>
+              <a:cs typeface="Arial" panose="020B0604020202020204" pitchFamily="34" charset="0"/>
+            </a:endParaRPr>
+          </a:p>
+          <a:p>
+            <a:endParaRPr lang="en-US" sz="1000" dirty="0">
+              <a:solidFill>
+                <a:srgbClr val="E6E6E6"/>
+              </a:solidFill>
+              <a:latin typeface="Arial" panose="020B0604020202020204" pitchFamily="34" charset="0"/>
+              <a:cs typeface="Arial" panose="020B0604020202020204" pitchFamily="34" charset="0"/>
+            </a:endParaRPr>
+          </a:p>
+          <a:p>
+            <a:r>
+              <a:rPr lang="en-US" sz="2400" dirty="0">
+                <a:solidFill>
+                  <a:srgbClr val="E6E6E6"/>
+                </a:solidFill>
+                <a:cs typeface="Arial" panose="020B0604020202020204" pitchFamily="34" charset="0"/>
+              </a:rPr>
+              <a:t>Shouldweinvest.com solves the problem of identifying geographic markets where real estate investors should focus their investment activity. The process of identifying investment opportunities is streamlined - increasing the ability to identify high ROI investments and decrease time spent researching opportunities. Interactive configuration and results interfaces are used to present market recommendations based on custom investment personas. Recommendations are provided by aggregating and analyzing data predictive of investment property returns.</a:t>
+            </a:r>
+          </a:p>
+          <a:p>
+            <a:pPr algn="ctr"/>
+            <a:endParaRPr lang="en-US" sz="1600" dirty="0">
+              <a:solidFill>
+                <a:srgbClr val="E6E6E6"/>
+              </a:solidFill>
+              <a:latin typeface="Arial" panose="020B0604020202020204" pitchFamily="34" charset="0"/>
+              <a:cs typeface="Arial" panose="020B0604020202020204" pitchFamily="34" charset="0"/>
+            </a:endParaRPr>
+          </a:p>
+          <a:p>
+            <a:pPr algn="ctr"/>
+            <a:endParaRPr lang="en-US" sz="1600" dirty="0">
+              <a:solidFill>
+                <a:srgbClr val="E6E6E6"/>
+              </a:solidFill>
+              <a:latin typeface="Arial" panose="020B0604020202020204" pitchFamily="34" charset="0"/>
+              <a:cs typeface="Arial" panose="020B0604020202020204" pitchFamily="34" charset="0"/>
+            </a:endParaRPr>
+          </a:p>
+        </p:txBody>
+      </p:sp>
+      <p:sp>
+        <p:nvSpPr>
+          <p:cNvPr id="29" name="Rectangle 28">
+            <a:extLst>
+              <a:ext uri="{FF2B5EF4-FFF2-40B4-BE49-F238E27FC236}">
+                <a16:creationId xmlns:a16="http://schemas.microsoft.com/office/drawing/2014/main" id="{12EC01A8-7A5B-47ED-9CC9-3870C11E8C65}"/>
+              </a:ext>
+            </a:extLst>
+          </p:cNvPr>
+          <p:cNvSpPr/>
+          <p:nvPr/>
+        </p:nvSpPr>
+        <p:spPr>
+          <a:xfrm>
+            <a:off x="18215718" y="2424369"/>
+            <a:ext cx="9251747" cy="4968589"/>
+          </a:xfrm>
+          <a:prstGeom prst="rect">
+            <a:avLst/>
+          </a:prstGeom>
+          <a:solidFill>
+            <a:srgbClr val="353535"/>
+          </a:solidFill>
+          <a:ln>
+            <a:noFill/>
+          </a:ln>
+        </p:spPr>
+        <p:style>
+          <a:lnRef idx="2">
+            <a:schemeClr val="accent1">
+              <a:shade val="50000"/>
+            </a:schemeClr>
+          </a:lnRef>
+          <a:fillRef idx="1">
+            <a:schemeClr val="accent1"/>
+          </a:fillRef>
+          <a:effectRef idx="0">
+            <a:schemeClr val="accent1"/>
+          </a:effectRef>
+          <a:fontRef idx="minor">
+            <a:schemeClr val="lt1"/>
+          </a:fontRef>
+        </p:style>
+        <p:txBody>
+          <a:bodyPr rtlCol="0" anchor="t"/>
+          <a:lstStyle/>
+          <a:p>
+            <a:pPr algn="ctr"/>
+            <a:r>
+              <a:rPr lang="en-US" sz="5400" dirty="0">
+                <a:solidFill>
+                  <a:srgbClr val="EDC948"/>
+                </a:solidFill>
+                <a:latin typeface="Lobster Two" panose="02000506000000020003" pitchFamily="50" charset="0"/>
+                <a:cs typeface="Arial" panose="020B0604020202020204" pitchFamily="34" charset="0"/>
+              </a:rPr>
+              <a:t>Algorithm</a:t>
+            </a:r>
+            <a:endParaRPr lang="en-US" sz="4800" dirty="0">
+              <a:solidFill>
+                <a:srgbClr val="EDC948"/>
+              </a:solidFill>
+              <a:latin typeface="Lobster Two" panose="02000506000000020003" pitchFamily="50" charset="0"/>
+              <a:cs typeface="Arial" panose="020B0604020202020204" pitchFamily="34" charset="0"/>
+            </a:endParaRPr>
+          </a:p>
+          <a:p>
+            <a:pPr algn="ctr"/>
+            <a:endParaRPr lang="en-US" sz="1000" dirty="0">
+              <a:solidFill>
+                <a:srgbClr val="E6E6E6"/>
+              </a:solidFill>
+              <a:latin typeface="Arial" panose="020B0604020202020204" pitchFamily="34" charset="0"/>
+              <a:cs typeface="Arial" panose="020B0604020202020204" pitchFamily="34" charset="0"/>
+            </a:endParaRPr>
+          </a:p>
+          <a:p>
+            <a:pPr fontAlgn="base"/>
+            <a:r>
+              <a:rPr lang="en-US" sz="2400" dirty="0">
+                <a:cs typeface="Arial" panose="020B0604020202020204" pitchFamily="34" charset="0"/>
+              </a:rPr>
+              <a:t>Two predefined investor personas, tailored to the goals and objectives specific to each, are provided for users. The algorithm factors are:</a:t>
+            </a:r>
+          </a:p>
+          <a:p>
+            <a:pPr fontAlgn="base"/>
+            <a:endParaRPr lang="en-US" sz="2000" dirty="0">
+              <a:cs typeface="Arial" panose="020B0604020202020204" pitchFamily="34" charset="0"/>
+            </a:endParaRPr>
+          </a:p>
+          <a:p>
+            <a:pPr fontAlgn="base"/>
+            <a:r>
+              <a:rPr lang="en-US" sz="2400" dirty="0">
+                <a:cs typeface="Arial" panose="020B0604020202020204" pitchFamily="34" charset="0"/>
+              </a:rPr>
+              <a:t>Ideals Common to Both Personas:</a:t>
+            </a:r>
+          </a:p>
+          <a:p>
+            <a:pPr marL="471488" indent="-234950" fontAlgn="base">
+              <a:buFont typeface="Arial" panose="020B0604020202020204" pitchFamily="34" charset="0"/>
+              <a:buChar char="•"/>
+            </a:pPr>
+            <a:r>
+              <a:rPr lang="en-US" sz="2400" dirty="0">
+                <a:cs typeface="Arial" panose="020B0604020202020204" pitchFamily="34" charset="0"/>
+              </a:rPr>
+              <a:t>Healthy market with declining home vacancy and good schools</a:t>
+            </a:r>
+          </a:p>
+          <a:p>
+            <a:pPr fontAlgn="base"/>
+            <a:endParaRPr lang="en-US" sz="1000" dirty="0">
+              <a:cs typeface="Arial" panose="020B0604020202020204" pitchFamily="34" charset="0"/>
+            </a:endParaRPr>
+          </a:p>
+          <a:p>
+            <a:pPr fontAlgn="base"/>
+            <a:r>
+              <a:rPr lang="en-US" sz="2400" dirty="0">
+                <a:cs typeface="Arial" panose="020B0604020202020204" pitchFamily="34" charset="0"/>
+              </a:rPr>
+              <a:t>Flipper Ideals:</a:t>
+            </a:r>
+          </a:p>
+          <a:p>
+            <a:pPr marL="471488" indent="-234950" fontAlgn="base">
+              <a:buFont typeface="Arial" panose="020B0604020202020204" pitchFamily="34" charset="0"/>
+              <a:buChar char="•"/>
+            </a:pPr>
+            <a:r>
+              <a:rPr lang="en-US" sz="2400" dirty="0">
+                <a:cs typeface="Arial" panose="020B0604020202020204" pitchFamily="34" charset="0"/>
+              </a:rPr>
+              <a:t>Properties that are older and sell quickly</a:t>
+            </a:r>
+          </a:p>
+          <a:p>
+            <a:pPr fontAlgn="base"/>
+            <a:endParaRPr lang="en-US" sz="1000" dirty="0">
+              <a:cs typeface="Arial" panose="020B0604020202020204" pitchFamily="34" charset="0"/>
+            </a:endParaRPr>
+          </a:p>
+          <a:p>
+            <a:pPr fontAlgn="base"/>
+            <a:r>
+              <a:rPr lang="en-US" sz="2400" dirty="0">
+                <a:cs typeface="Arial" panose="020B0604020202020204" pitchFamily="34" charset="0"/>
+              </a:rPr>
+              <a:t>Landlord Ideals:</a:t>
+            </a:r>
+          </a:p>
+          <a:p>
+            <a:pPr marL="471488" indent="-234950" fontAlgn="base">
+              <a:buFont typeface="Arial" panose="020B0604020202020204" pitchFamily="34" charset="0"/>
+              <a:buChar char="•"/>
+            </a:pPr>
+            <a:r>
+              <a:rPr lang="en-US" sz="2400" dirty="0">
+                <a:cs typeface="Arial" panose="020B0604020202020204" pitchFamily="34" charset="0"/>
+              </a:rPr>
+              <a:t>A buyer's market with a high income to rent ratio</a:t>
+            </a:r>
+            <a:endParaRPr lang="en-US" sz="2400" dirty="0">
+              <a:solidFill>
+                <a:srgbClr val="E6E6E6"/>
+              </a:solidFill>
+              <a:cs typeface="Arial" panose="020B0604020202020204" pitchFamily="34" charset="0"/>
+            </a:endParaRPr>
+          </a:p>
+        </p:txBody>
+      </p:sp>
+      <p:sp>
+        <p:nvSpPr>
+          <p:cNvPr id="33" name="Rectangle 32">
+            <a:extLst>
+              <a:ext uri="{FF2B5EF4-FFF2-40B4-BE49-F238E27FC236}">
+                <a16:creationId xmlns:a16="http://schemas.microsoft.com/office/drawing/2014/main" id="{5844B050-FAAF-4231-B98A-47C82DA41DBA}"/>
+              </a:ext>
+            </a:extLst>
+          </p:cNvPr>
+          <p:cNvSpPr/>
+          <p:nvPr/>
+        </p:nvSpPr>
+        <p:spPr>
+          <a:xfrm>
+            <a:off x="5486400" y="10448679"/>
+            <a:ext cx="548640" cy="548640"/>
+          </a:xfrm>
+          <a:prstGeom prst="rect">
+            <a:avLst/>
+          </a:prstGeom>
+          <a:solidFill>
+            <a:srgbClr val="007DC3"/>
+          </a:solidFill>
+          <a:ln>
+            <a:solidFill>
+              <a:srgbClr val="007DC3"/>
+            </a:solidFill>
+          </a:ln>
+        </p:spPr>
+        <p:style>
+          <a:lnRef idx="2">
+            <a:schemeClr val="accent1">
+              <a:shade val="50000"/>
+            </a:schemeClr>
+          </a:lnRef>
+          <a:fillRef idx="1">
+            <a:schemeClr val="accent1"/>
+          </a:fillRef>
+          <a:effectRef idx="0">
+            <a:schemeClr val="accent1"/>
+          </a:effectRef>
+          <a:fontRef idx="minor">
+            <a:schemeClr val="lt1"/>
+          </a:fontRef>
+        </p:style>
+        <p:txBody>
+          <a:bodyPr rtlCol="0" anchor="ctr"/>
+          <a:lstStyle/>
+          <a:p>
+            <a:pPr algn="ctr"/>
+            <a:r>
+              <a:rPr lang="en-US" sz="2800" b="1" dirty="0">
+                <a:solidFill>
+                  <a:srgbClr val="E6E6E6"/>
+                </a:solidFill>
+                <a:latin typeface="Arial" panose="020B0604020202020204" pitchFamily="34" charset="0"/>
+                <a:cs typeface="Arial" panose="020B0604020202020204" pitchFamily="34" charset="0"/>
+              </a:rPr>
+              <a:t>1</a:t>
             </a:r>
           </a:p>
         </p:txBody>
